--- a/anrw-berlin-16/pathspider-poster-mk.pptx
+++ b/anrw-berlin-16/pathspider-poster-mk.pptx
@@ -2735,6 +2735,20 @@
           <a:p>
             <a:pPr algn="ctr"/>
             <a:r>
+              <a:rPr lang="en-GB" sz="9576" b="1" spc="-1" dirty="0" err="1">
+                <a:solidFill>
+                  <a:srgbClr val="000000"/>
+                </a:solidFill>
+                <a:uFill>
+                  <a:solidFill>
+                    <a:srgbClr val="FFFFFF"/>
+                  </a:solidFill>
+                </a:uFill>
+                <a:latin typeface="Helvetica Neue"/>
+              </a:rPr>
+              <a:t>PATH</a:t>
+            </a:r>
+            <a:r>
               <a:rPr lang="en-GB" sz="9576" spc="-1" dirty="0" err="1">
                 <a:solidFill>
                   <a:srgbClr val="000000"/>
@@ -2744,9 +2758,9 @@
                     <a:srgbClr val="FFFFFF"/>
                   </a:solidFill>
                 </a:uFill>
-                <a:latin typeface="Helvetica Neue"/>
-              </a:rPr>
-              <a:t>PATHspider</a:t>
+                <a:latin typeface="Bauhaus 93" panose="04030905020B02020C02" pitchFamily="82" charset="0"/>
+              </a:rPr>
+              <a:t>spider</a:t>
             </a:r>
             <a:r>
               <a:rPr lang="en-GB" sz="9576" spc="-1" dirty="0">

--- a/anrw-berlin-16/pathspider-poster-mk.pptx
+++ b/anrw-berlin-16/pathspider-poster-mk.pptx
@@ -3092,7 +3092,7 @@
         <p:spPr>
           <a:xfrm>
             <a:off x="1361936" y="9193586"/>
-            <a:ext cx="8988770" cy="4260738"/>
+            <a:ext cx="8988770" cy="5629440"/>
           </a:xfrm>
           <a:prstGeom prst="rect">
             <a:avLst/>
@@ -3235,7 +3235,7 @@
                 </a:uFill>
                 <a:latin typeface="Helvetica Neue"/>
               </a:rPr>
-              <a:t>connectivity problems as well as differential treatment. </a:t>
+              <a:t>connectivity </a:t>
             </a:r>
             <a:r>
               <a:rPr lang="en-GB" sz="3200" spc="-1" dirty="0" smtClean="0">
@@ -3249,10 +3249,10 @@
                 </a:uFill>
                 <a:latin typeface="Helvetica Neue"/>
               </a:rPr>
-              <a:t>With </a:t>
-            </a:r>
-            <a:r>
-              <a:rPr lang="en-GB" sz="3200" b="1" spc="-1" dirty="0" err="1" smtClean="0">
+              <a:t>issues and differential </a:t>
+            </a:r>
+            <a:r>
+              <a:rPr lang="en-GB" sz="3200" spc="-1" dirty="0">
                 <a:solidFill>
                   <a:srgbClr val="000000"/>
                 </a:solidFill>
@@ -3263,21 +3263,21 @@
                 </a:uFill>
                 <a:latin typeface="Helvetica Neue"/>
               </a:rPr>
-              <a:t>PATH</a:t>
-            </a:r>
-            <a:r>
-              <a:rPr lang="en-GB" sz="3200" spc="-1" dirty="0" err="1" smtClean="0">
-                <a:solidFill>
-                  <a:srgbClr val="000000"/>
-                </a:solidFill>
-                <a:uFill>
-                  <a:solidFill>
-                    <a:srgbClr val="FFFFFF"/>
-                  </a:solidFill>
-                </a:uFill>
-                <a:latin typeface="Bauhaus 93" panose="04030905020B02020C02" pitchFamily="82" charset="0"/>
-              </a:rPr>
-              <a:t>spider</a:t>
+              <a:t>treatment. </a:t>
+            </a:r>
+            <a:r>
+              <a:rPr lang="en-GB" sz="3200" spc="-1" dirty="0">
+                <a:solidFill>
+                  <a:srgbClr val="000000"/>
+                </a:solidFill>
+                <a:uFill>
+                  <a:solidFill>
+                    <a:srgbClr val="FFFFFF"/>
+                  </a:solidFill>
+                </a:uFill>
+                <a:latin typeface="Helvetica Neue"/>
+              </a:rPr>
+              <a:t>T</a:t>
             </a:r>
             <a:r>
               <a:rPr lang="en-GB" sz="3200" spc="-1" dirty="0" smtClean="0">
@@ -3291,10 +3291,10 @@
                 </a:uFill>
                 <a:latin typeface="Helvetica Neue"/>
               </a:rPr>
-              <a:t> </a:t>
-            </a:r>
-            <a:r>
-              <a:rPr lang="en-GB" sz="3200" spc="-1" dirty="0" smtClean="0">
+              <a:t>he A/B test itself is easily </a:t>
+            </a:r>
+            <a:r>
+              <a:rPr lang="en-GB" sz="3200" spc="-1" dirty="0">
                 <a:solidFill>
                   <a:srgbClr val="000000"/>
                 </a:solidFill>
@@ -3305,21 +3305,7 @@
                 </a:uFill>
                 <a:latin typeface="Helvetica Neue"/>
               </a:rPr>
-              <a:t>The </a:t>
-            </a:r>
-            <a:r>
-              <a:rPr lang="en-GB" sz="3200" spc="-1" dirty="0">
-                <a:solidFill>
-                  <a:srgbClr val="000000"/>
-                </a:solidFill>
-                <a:uFill>
-                  <a:solidFill>
-                    <a:srgbClr val="FFFFFF"/>
-                  </a:solidFill>
-                </a:uFill>
-                <a:latin typeface="Helvetica Neue"/>
-              </a:rPr>
-              <a:t>actual A/B test can be easily customized via a plugin framework</a:t>
+              <a:t>customized via a plugin framework</a:t>
             </a:r>
             <a:r>
               <a:rPr lang="en-GB" sz="3200" spc="-1" dirty="0" smtClean="0">
@@ -3981,8 +3967,8 @@
         </p:nvSpPr>
         <p:spPr>
           <a:xfrm>
-            <a:off x="13093938" y="26378647"/>
-            <a:ext cx="10713888" cy="1454451"/>
+            <a:off x="12846636" y="26443962"/>
+            <a:ext cx="10961190" cy="1270694"/>
           </a:xfrm>
           <a:prstGeom prst="rect">
             <a:avLst/>
@@ -4668,8 +4654,8 @@
         </p:nvSpPr>
         <p:spPr>
           <a:xfrm>
-            <a:off x="13093938" y="28635476"/>
-            <a:ext cx="10713888" cy="1886191"/>
+            <a:off x="12846636" y="28700790"/>
+            <a:ext cx="10961190" cy="1886191"/>
           </a:xfrm>
           <a:prstGeom prst="rect">
             <a:avLst/>
@@ -4989,25 +4975,33 @@
               </a:spcAft>
             </a:pPr>
             <a:r>
+              <a:rPr lang="en-US" sz="2800" dirty="0" smtClean="0">
+                <a:latin typeface="Inconsolata Medium" charset="0"/>
+                <a:ea typeface="Inconsolata Medium" charset="0"/>
+                <a:cs typeface="Inconsolata Medium" charset="0"/>
+              </a:rPr>
+              <a:t># apt </a:t>
+            </a:r>
+            <a:r>
               <a:rPr lang="en-US" sz="2800" dirty="0">
-                <a:latin typeface="Courier New" panose="02070309020205020404" pitchFamily="49" charset="0"/>
+                <a:latin typeface="Inconsolata Medium" charset="0"/>
                 <a:ea typeface="Inconsolata Medium" charset="0"/>
-                <a:cs typeface="Courier New" panose="02070309020205020404" pitchFamily="49" charset="0"/>
-              </a:rPr>
-              <a:t>$ apt install </a:t>
+                <a:cs typeface="Inconsolata Medium" charset="0"/>
+              </a:rPr>
+              <a:t>install </a:t>
             </a:r>
             <a:r>
               <a:rPr lang="en-US" sz="2800" dirty="0" err="1" smtClean="0">
-                <a:latin typeface="Courier New" panose="02070309020205020404" pitchFamily="49" charset="0"/>
+                <a:latin typeface="Inconsolata Medium" charset="0"/>
                 <a:ea typeface="Inconsolata Medium" charset="0"/>
-                <a:cs typeface="Courier New" panose="02070309020205020404" pitchFamily="49" charset="0"/>
+                <a:cs typeface="Inconsolata Medium" charset="0"/>
               </a:rPr>
               <a:t>pathspider</a:t>
             </a:r>
             <a:endParaRPr lang="en-US" sz="2800" dirty="0">
-              <a:latin typeface="Courier New" panose="02070309020205020404" pitchFamily="49" charset="0"/>
+              <a:latin typeface="Inconsolata Medium" charset="0"/>
               <a:ea typeface="Inconsolata Medium" charset="0"/>
-              <a:cs typeface="Courier New" panose="02070309020205020404" pitchFamily="49" charset="0"/>
+              <a:cs typeface="Inconsolata Medium" charset="0"/>
             </a:endParaRPr>
           </a:p>
           <a:p>
